--- a/docs/Figure.pptx
+++ b/docs/Figure.pptx
@@ -5,13 +5,15 @@
     <p:sldMasterId id="2147483648" r:id="rId1"/>
   </p:sldMasterIdLst>
   <p:notesMasterIdLst>
-    <p:notesMasterId r:id="rId6"/>
+    <p:notesMasterId r:id="rId8"/>
   </p:notesMasterIdLst>
   <p:sldIdLst>
     <p:sldId id="256" r:id="rId2"/>
     <p:sldId id="257" r:id="rId3"/>
     <p:sldId id="259" r:id="rId4"/>
     <p:sldId id="258" r:id="rId5"/>
+    <p:sldId id="261" r:id="rId6"/>
+    <p:sldId id="260" r:id="rId7"/>
   </p:sldIdLst>
   <p:sldSz cx="12192000" cy="6858000"/>
   <p:notesSz cx="6858000" cy="9144000"/>
@@ -4698,6 +4700,388 @@
     <p:extLst>
       <p:ext uri="{BB962C8B-B14F-4D97-AF65-F5344CB8AC3E}">
         <p14:creationId xmlns:p14="http://schemas.microsoft.com/office/powerpoint/2010/main" val="1971437928"/>
+      </p:ext>
+    </p:extLst>
+  </p:cSld>
+  <p:clrMapOvr>
+    <a:masterClrMapping/>
+  </p:clrMapOvr>
+</p:sld>
+</file>
+
+<file path=ppt/slides/slide5.xml><?xml version="1.0" encoding="utf-8"?>
+<p:sld xmlns:a="http://schemas.openxmlformats.org/drawingml/2006/main" xmlns:r="http://schemas.openxmlformats.org/officeDocument/2006/relationships" xmlns:p="http://schemas.openxmlformats.org/presentationml/2006/main">
+  <p:cSld>
+    <p:spTree>
+      <p:nvGrpSpPr>
+        <p:cNvPr id="1" name=""/>
+        <p:cNvGrpSpPr/>
+        <p:nvPr/>
+      </p:nvGrpSpPr>
+      <p:grpSpPr>
+        <a:xfrm>
+          <a:off x="0" y="0"/>
+          <a:ext cx="0" cy="0"/>
+          <a:chOff x="0" y="0"/>
+          <a:chExt cx="0" cy="0"/>
+        </a:xfrm>
+      </p:grpSpPr>
+      <p:sp>
+        <p:nvSpPr>
+          <p:cNvPr id="2" name="タイトル 1"/>
+          <p:cNvSpPr>
+            <a:spLocks noGrp="1"/>
+          </p:cNvSpPr>
+          <p:nvPr>
+            <p:ph type="title"/>
+          </p:nvPr>
+        </p:nvSpPr>
+        <p:spPr/>
+        <p:txBody>
+          <a:bodyPr/>
+          <a:lstStyle/>
+          <a:p>
+            <a:r>
+              <a:rPr kumimoji="1" lang="ja-JP" altLang="en-US" dirty="0" smtClean="0"/>
+              <a:t>図</a:t>
+            </a:r>
+            <a:r>
+              <a:rPr kumimoji="1" lang="en-US" altLang="ja-JP" dirty="0" smtClean="0"/>
+              <a:t>4</a:t>
+            </a:r>
+            <a:endParaRPr kumimoji="1" lang="ja-JP" altLang="en-US" dirty="0"/>
+          </a:p>
+        </p:txBody>
+      </p:sp>
+      <p:sp>
+        <p:nvSpPr>
+          <p:cNvPr id="4" name="スライド番号プレースホルダー 3"/>
+          <p:cNvSpPr>
+            <a:spLocks noGrp="1"/>
+          </p:cNvSpPr>
+          <p:nvPr>
+            <p:ph type="sldNum" sz="quarter" idx="12"/>
+          </p:nvPr>
+        </p:nvSpPr>
+        <p:spPr/>
+        <p:txBody>
+          <a:bodyPr/>
+          <a:lstStyle/>
+          <a:p>
+            <a:fld id="{D20ED7C6-18A0-8C43-ACD1-7158A5F5D54B}" type="slidenum">
+              <a:rPr kumimoji="1" lang="ja-JP" altLang="en-US" smtClean="0"/>
+              <a:t>5</a:t>
+            </a:fld>
+            <a:endParaRPr kumimoji="1" lang="ja-JP" altLang="en-US"/>
+          </a:p>
+        </p:txBody>
+      </p:sp>
+      <p:grpSp>
+        <p:nvGrpSpPr>
+          <p:cNvPr id="7" name="図形グループ 6"/>
+          <p:cNvGrpSpPr/>
+          <p:nvPr/>
+        </p:nvGrpSpPr>
+        <p:grpSpPr>
+          <a:xfrm>
+            <a:off x="1066800" y="1312782"/>
+            <a:ext cx="10058400" cy="4232437"/>
+            <a:chOff x="1066800" y="1312782"/>
+            <a:chExt cx="10058400" cy="4232437"/>
+          </a:xfrm>
+        </p:grpSpPr>
+        <p:pic>
+          <p:nvPicPr>
+            <p:cNvPr id="5" name="図 4"/>
+            <p:cNvPicPr>
+              <a:picLocks noChangeAspect="1"/>
+            </p:cNvPicPr>
+            <p:nvPr/>
+          </p:nvPicPr>
+          <p:blipFill>
+            <a:blip r:embed="rId2">
+              <a:extLst>
+                <a:ext uri="{28A0092B-C50C-407E-A947-70E740481C1C}">
+                  <a14:useLocalDpi xmlns:a14="http://schemas.microsoft.com/office/drawing/2010/main" val="0"/>
+                </a:ext>
+              </a:extLst>
+            </a:blip>
+            <a:stretch>
+              <a:fillRect/>
+            </a:stretch>
+          </p:blipFill>
+          <p:spPr>
+            <a:xfrm>
+              <a:off x="1066800" y="1312782"/>
+              <a:ext cx="10058400" cy="4232437"/>
+            </a:xfrm>
+            <a:prstGeom prst="rect">
+              <a:avLst/>
+            </a:prstGeom>
+          </p:spPr>
+        </p:pic>
+        <p:sp>
+          <p:nvSpPr>
+            <p:cNvPr id="6" name="四角形吹き出し 5"/>
+            <p:cNvSpPr/>
+            <p:nvPr/>
+          </p:nvSpPr>
+          <p:spPr>
+            <a:xfrm>
+              <a:off x="8468897" y="3028950"/>
+              <a:ext cx="1847069" cy="465365"/>
+            </a:xfrm>
+            <a:prstGeom prst="wedgeRectCallout">
+              <a:avLst>
+                <a:gd name="adj1" fmla="val -33883"/>
+                <a:gd name="adj2" fmla="val 77982"/>
+              </a:avLst>
+            </a:prstGeom>
+            <a:ln w="25400">
+              <a:solidFill>
+                <a:srgbClr val="FFC000"/>
+              </a:solidFill>
+            </a:ln>
+          </p:spPr>
+          <p:style>
+            <a:lnRef idx="2">
+              <a:schemeClr val="accent4"/>
+            </a:lnRef>
+            <a:fillRef idx="1">
+              <a:schemeClr val="lt1"/>
+            </a:fillRef>
+            <a:effectRef idx="0">
+              <a:schemeClr val="accent4"/>
+            </a:effectRef>
+            <a:fontRef idx="minor">
+              <a:schemeClr val="dk1"/>
+            </a:fontRef>
+          </p:style>
+          <p:txBody>
+            <a:bodyPr rtlCol="0" anchor="ctr"/>
+            <a:lstStyle/>
+            <a:p>
+              <a:pPr algn="ctr"/>
+              <a:r>
+                <a:rPr kumimoji="1" lang="ja-JP" altLang="en-US" sz="1200" smtClean="0">
+                  <a:solidFill>
+                    <a:srgbClr val="FFC000"/>
+                  </a:solidFill>
+                </a:rPr>
+                <a:t>クリックして</a:t>
+              </a:r>
+              <a:r>
+                <a:rPr kumimoji="1" lang="ja-JP" altLang="en-US" sz="1200" dirty="0" smtClean="0">
+                  <a:solidFill>
+                    <a:srgbClr val="FFC000"/>
+                  </a:solidFill>
+                </a:rPr>
+                <a:t>ください</a:t>
+              </a:r>
+              <a:endParaRPr kumimoji="1" lang="ja-JP" altLang="en-US" sz="1200" dirty="0">
+                <a:solidFill>
+                  <a:srgbClr val="FFC000"/>
+                </a:solidFill>
+              </a:endParaRPr>
+            </a:p>
+          </p:txBody>
+        </p:sp>
+      </p:grpSp>
+    </p:spTree>
+    <p:extLst>
+      <p:ext uri="{BB962C8B-B14F-4D97-AF65-F5344CB8AC3E}">
+        <p14:creationId xmlns:p14="http://schemas.microsoft.com/office/powerpoint/2010/main" val="884633344"/>
+      </p:ext>
+    </p:extLst>
+  </p:cSld>
+  <p:clrMapOvr>
+    <a:masterClrMapping/>
+  </p:clrMapOvr>
+</p:sld>
+</file>
+
+<file path=ppt/slides/slide6.xml><?xml version="1.0" encoding="utf-8"?>
+<p:sld xmlns:a="http://schemas.openxmlformats.org/drawingml/2006/main" xmlns:r="http://schemas.openxmlformats.org/officeDocument/2006/relationships" xmlns:p="http://schemas.openxmlformats.org/presentationml/2006/main">
+  <p:cSld>
+    <p:spTree>
+      <p:nvGrpSpPr>
+        <p:cNvPr id="1" name=""/>
+        <p:cNvGrpSpPr/>
+        <p:nvPr/>
+      </p:nvGrpSpPr>
+      <p:grpSpPr>
+        <a:xfrm>
+          <a:off x="0" y="0"/>
+          <a:ext cx="0" cy="0"/>
+          <a:chOff x="0" y="0"/>
+          <a:chExt cx="0" cy="0"/>
+        </a:xfrm>
+      </p:grpSpPr>
+      <p:sp>
+        <p:nvSpPr>
+          <p:cNvPr id="2" name="タイトル 1"/>
+          <p:cNvSpPr>
+            <a:spLocks noGrp="1"/>
+          </p:cNvSpPr>
+          <p:nvPr>
+            <p:ph type="title"/>
+          </p:nvPr>
+        </p:nvSpPr>
+        <p:spPr/>
+        <p:txBody>
+          <a:bodyPr/>
+          <a:lstStyle/>
+          <a:p>
+            <a:r>
+              <a:rPr kumimoji="1" lang="ja-JP" altLang="en-US" dirty="0" smtClean="0"/>
+              <a:t>図</a:t>
+            </a:r>
+            <a:r>
+              <a:rPr kumimoji="1" lang="en-US" altLang="ja-JP" dirty="0" smtClean="0"/>
+              <a:t>5</a:t>
+            </a:r>
+            <a:endParaRPr kumimoji="1" lang="ja-JP" altLang="en-US" dirty="0"/>
+          </a:p>
+        </p:txBody>
+      </p:sp>
+      <p:sp>
+        <p:nvSpPr>
+          <p:cNvPr id="4" name="スライド番号プレースホルダー 3"/>
+          <p:cNvSpPr>
+            <a:spLocks noGrp="1"/>
+          </p:cNvSpPr>
+          <p:nvPr>
+            <p:ph type="sldNum" sz="quarter" idx="12"/>
+          </p:nvPr>
+        </p:nvSpPr>
+        <p:spPr/>
+        <p:txBody>
+          <a:bodyPr/>
+          <a:lstStyle/>
+          <a:p>
+            <a:fld id="{D20ED7C6-18A0-8C43-ACD1-7158A5F5D54B}" type="slidenum">
+              <a:rPr kumimoji="1" lang="ja-JP" altLang="en-US" smtClean="0"/>
+              <a:t>6</a:t>
+            </a:fld>
+            <a:endParaRPr kumimoji="1" lang="ja-JP" altLang="en-US"/>
+          </a:p>
+        </p:txBody>
+      </p:sp>
+      <p:grpSp>
+        <p:nvGrpSpPr>
+          <p:cNvPr id="7" name="図形グループ 6"/>
+          <p:cNvGrpSpPr/>
+          <p:nvPr/>
+        </p:nvGrpSpPr>
+        <p:grpSpPr>
+          <a:xfrm>
+            <a:off x="1066800" y="1690688"/>
+            <a:ext cx="10058400" cy="3678637"/>
+            <a:chOff x="1066800" y="1690688"/>
+            <a:chExt cx="10058400" cy="3678637"/>
+          </a:xfrm>
+        </p:grpSpPr>
+        <p:pic>
+          <p:nvPicPr>
+            <p:cNvPr id="5" name="図 4"/>
+            <p:cNvPicPr>
+              <a:picLocks noChangeAspect="1"/>
+            </p:cNvPicPr>
+            <p:nvPr/>
+          </p:nvPicPr>
+          <p:blipFill>
+            <a:blip r:embed="rId2">
+              <a:extLst>
+                <a:ext uri="{28A0092B-C50C-407E-A947-70E740481C1C}">
+                  <a14:useLocalDpi xmlns:a14="http://schemas.microsoft.com/office/drawing/2010/main" val="0"/>
+                </a:ext>
+              </a:extLst>
+            </a:blip>
+            <a:stretch>
+              <a:fillRect/>
+            </a:stretch>
+          </p:blipFill>
+          <p:spPr>
+            <a:xfrm>
+              <a:off x="1066800" y="1690688"/>
+              <a:ext cx="10058400" cy="3678637"/>
+            </a:xfrm>
+            <a:prstGeom prst="rect">
+              <a:avLst/>
+            </a:prstGeom>
+          </p:spPr>
+        </p:pic>
+        <p:sp>
+          <p:nvSpPr>
+            <p:cNvPr id="6" name="四角形吹き出し 5"/>
+            <p:cNvSpPr/>
+            <p:nvPr/>
+          </p:nvSpPr>
+          <p:spPr>
+            <a:xfrm>
+              <a:off x="8395854" y="4916385"/>
+              <a:ext cx="2673270" cy="406923"/>
+            </a:xfrm>
+            <a:prstGeom prst="wedgeRectCallout">
+              <a:avLst>
+                <a:gd name="adj1" fmla="val 20396"/>
+                <a:gd name="adj2" fmla="val -98292"/>
+              </a:avLst>
+            </a:prstGeom>
+            <a:ln w="25400">
+              <a:solidFill>
+                <a:srgbClr val="FFC000"/>
+              </a:solidFill>
+            </a:ln>
+          </p:spPr>
+          <p:style>
+            <a:lnRef idx="2">
+              <a:schemeClr val="accent4"/>
+            </a:lnRef>
+            <a:fillRef idx="1">
+              <a:schemeClr val="lt1"/>
+            </a:fillRef>
+            <a:effectRef idx="0">
+              <a:schemeClr val="accent4"/>
+            </a:effectRef>
+            <a:fontRef idx="minor">
+              <a:schemeClr val="dk1"/>
+            </a:fontRef>
+          </p:style>
+          <p:txBody>
+            <a:bodyPr rtlCol="0" anchor="ctr"/>
+            <a:lstStyle/>
+            <a:p>
+              <a:pPr algn="ctr"/>
+              <a:r>
+                <a:rPr kumimoji="1" lang="ja-JP" altLang="en-US" sz="1200" dirty="0" smtClean="0">
+                  <a:solidFill>
+                    <a:srgbClr val="FFC000"/>
+                  </a:solidFill>
+                </a:rPr>
+                <a:t>クリックすると</a:t>
+              </a:r>
+              <a:r>
+                <a:rPr kumimoji="1" lang="ja-JP" altLang="en-US" sz="1200" smtClean="0">
+                  <a:solidFill>
+                    <a:srgbClr val="FFC000"/>
+                  </a:solidFill>
+                </a:rPr>
+                <a:t>アプリが起動します</a:t>
+              </a:r>
+              <a:endParaRPr kumimoji="1" lang="ja-JP" altLang="en-US" sz="1200" dirty="0">
+                <a:solidFill>
+                  <a:srgbClr val="FFC000"/>
+                </a:solidFill>
+              </a:endParaRPr>
+            </a:p>
+          </p:txBody>
+        </p:sp>
+      </p:grpSp>
+    </p:spTree>
+    <p:extLst>
+      <p:ext uri="{BB962C8B-B14F-4D97-AF65-F5344CB8AC3E}">
+        <p14:creationId xmlns:p14="http://schemas.microsoft.com/office/powerpoint/2010/main" val="1151159302"/>
       </p:ext>
     </p:extLst>
   </p:cSld>
